--- a/präsentation/pptx.20250321.001.TheiaBaustellenApp-Präsentation.pptx
+++ b/präsentation/pptx.20250321.001.TheiaBaustellenApp-Präsentation.pptx
@@ -3834,7 +3834,7 @@
           <a:p>
             <a:fld id="{DC037212-1889-4FBA-9458-89EA82D2A618}" type="datetimeFigureOut">
               <a:rPr lang="de-DE" smtClean="0"/>
-              <a:t>21.03.2025</a:t>
+              <a:t>24.03.2025</a:t>
             </a:fld>
             <a:endParaRPr lang="de-DE"/>
           </a:p>
@@ -4958,7 +4958,7 @@
             </a:r>
             <a:r>
               <a:rPr lang="de-CH" dirty="0"/>
-              <a:t> habe ich mich mit Entwurfsmustern für die Synchronisierung von Daten im Kontext einer mobilen Applikation mit Backend. Zuerst habe ich in der Recherche kurz in die Thematik des CAP-Theorem eingeführt. </a:t>
+              <a:t> habe ich mich mit Entwurfsmustern für die Synchronisierung von Daten im Kontext einer mobilen Applikation mit Backend auseinandergesetzt. Zuerst habe ich in der Recherche kurz in die Thematik des CAP-Theorem eingeführt. Da dieses Theorem für die Erarbeitung der Lösungsarchitektur relevant ist. Danach habe ich </a:t>
             </a:r>
           </a:p>
         </p:txBody>
@@ -21180,7 +21180,7 @@
           <a:p>
             <a:r>
               <a:rPr lang="de-DE" dirty="0"/>
-              <a:t>Masterthesis </a:t>
+              <a:t>Masterarbeit </a:t>
             </a:r>
           </a:p>
           <a:p>
